--- a/Slides/Lesson 7.5 Foldr and Foldl.pptx
+++ b/Slides/Lesson 7.5 Foldr and Foldl.pptx
@@ -168,6 +168,10 @@
 </p:presentation>
 </file>
 
+<file path=ppt/revisionInfo.xml><?xml version="1.0" encoding="utf-8"?>
+<p1510:revInfo xmlns:a="http://schemas.openxmlformats.org/drawingml/2006/main" xmlns:r="http://schemas.openxmlformats.org/officeDocument/2006/relationships" xmlns:p1510="http://schemas.microsoft.com/office/powerpoint/2015/10/main"/>
+</file>
+
 <file path=ppt/notesMasters/notesMaster1.xml><?xml version="1.0" encoding="utf-8"?>
 <p:notesMaster xmlns:a="http://schemas.openxmlformats.org/drawingml/2006/main" xmlns:r="http://schemas.openxmlformats.org/officeDocument/2006/relationships" xmlns:p="http://schemas.openxmlformats.org/presentationml/2006/main">
   <p:cSld>
@@ -251,7 +255,7 @@
             <a:fld id="{CF8F25F6-E1EF-4065-8525-42EDEBD9BD22}" type="datetimeFigureOut">
               <a:rPr lang="en-US" smtClean="0"/>
               <a:pPr/>
-              <a:t>10/15/2016</a:t>
+              <a:t>10/2/2017</a:t>
             </a:fld>
             <a:endParaRPr lang="en-US"/>
           </a:p>
@@ -787,7 +791,7 @@
           <a:p>
             <a:fld id="{2F1F79F5-7BEC-496A-AFC7-876E38F64D71}" type="datetime1">
               <a:rPr lang="en-US" smtClean="0"/>
-              <a:t>10/15/2016</a:t>
+              <a:t>10/2/2017</a:t>
             </a:fld>
             <a:endParaRPr lang="en-US"/>
           </a:p>
@@ -882,7 +886,7 @@
           <a:p>
             <a:fld id="{0A05703A-7669-4FEA-9056-25299B4D29D4}" type="datetime1">
               <a:rPr lang="en-US" smtClean="0"/>
-              <a:t>10/15/2016</a:t>
+              <a:t>10/2/2017</a:t>
             </a:fld>
             <a:endParaRPr lang="en-US"/>
           </a:p>
@@ -1157,7 +1161,7 @@
           <a:p>
             <a:fld id="{6E5077B5-BB57-49DB-88CA-226A139E5C01}" type="datetime1">
               <a:rPr lang="en-US" smtClean="0"/>
-              <a:t>10/15/2016</a:t>
+              <a:t>10/2/2017</a:t>
             </a:fld>
             <a:endParaRPr lang="en-US"/>
           </a:p>
@@ -1409,7 +1413,7 @@
           <a:p>
             <a:fld id="{C48D9447-CBD6-49A1-89FD-8512A8CF8999}" type="datetime1">
               <a:rPr lang="en-US" smtClean="0"/>
-              <a:t>10/15/2016</a:t>
+              <a:t>10/2/2017</a:t>
             </a:fld>
             <a:endParaRPr lang="en-US"/>
           </a:p>
@@ -1577,7 +1581,7 @@
           <a:p>
             <a:fld id="{A3639A2A-823D-48B7-9ACE-7FAF42870BA9}" type="datetime1">
               <a:rPr lang="en-US" smtClean="0"/>
-              <a:t>10/15/2016</a:t>
+              <a:t>10/2/2017</a:t>
             </a:fld>
             <a:endParaRPr lang="en-US"/>
           </a:p>
@@ -1755,7 +1759,7 @@
           <a:p>
             <a:fld id="{ED1B6996-82E9-463C-972C-7B56056E426C}" type="datetime1">
               <a:rPr lang="en-US" smtClean="0"/>
-              <a:t>10/15/2016</a:t>
+              <a:t>10/2/2017</a:t>
             </a:fld>
             <a:endParaRPr lang="en-US"/>
           </a:p>
@@ -1929,7 +1933,7 @@
           <a:p>
             <a:fld id="{E22ED4DA-448D-4BB1-B935-CC112220207B}" type="datetime1">
               <a:rPr lang="en-US" smtClean="0"/>
-              <a:t>10/15/2016</a:t>
+              <a:t>10/2/2017</a:t>
             </a:fld>
             <a:endParaRPr lang="en-US"/>
           </a:p>
@@ -2102,7 +2106,7 @@
           <a:p>
             <a:fld id="{E22ED4DA-448D-4BB1-B935-CC112220207B}" type="datetime1">
               <a:rPr lang="en-US" smtClean="0"/>
-              <a:t>10/15/2016</a:t>
+              <a:t>10/2/2017</a:t>
             </a:fld>
             <a:endParaRPr lang="en-US"/>
           </a:p>
@@ -2362,7 +2366,7 @@
           <a:p>
             <a:fld id="{FF5D65A6-AB94-4435-B0B7-3743215FA46C}" type="datetime1">
               <a:rPr lang="en-US" smtClean="0"/>
-              <a:t>10/15/2016</a:t>
+              <a:t>10/2/2017</a:t>
             </a:fld>
             <a:endParaRPr lang="en-US"/>
           </a:p>
@@ -2538,7 +2542,7 @@
           <a:p>
             <a:fld id="{FF5D65A6-AB94-4435-B0B7-3743215FA46C}" type="datetime1">
               <a:rPr lang="en-US" smtClean="0"/>
-              <a:t>10/15/2016</a:t>
+              <a:t>10/2/2017</a:t>
             </a:fld>
             <a:endParaRPr lang="en-US"/>
           </a:p>
@@ -2832,7 +2836,7 @@
           <a:p>
             <a:fld id="{7C193DC4-6EF0-48C9-B29C-616106A645E1}" type="datetime1">
               <a:rPr lang="en-US" smtClean="0"/>
-              <a:t>10/15/2016</a:t>
+              <a:t>10/2/2017</a:t>
             </a:fld>
             <a:endParaRPr lang="en-US"/>
           </a:p>
@@ -3117,7 +3121,7 @@
           <a:p>
             <a:fld id="{5D1846AD-9252-4647-9435-4C2AC365653A}" type="datetime1">
               <a:rPr lang="en-US" smtClean="0"/>
-              <a:t>10/15/2016</a:t>
+              <a:t>10/2/2017</a:t>
             </a:fld>
             <a:endParaRPr lang="en-US"/>
           </a:p>
@@ -3536,7 +3540,7 @@
           <a:p>
             <a:fld id="{CE56DC10-3561-4063-A6AF-C1CC7A41040A}" type="datetime1">
               <a:rPr lang="en-US" smtClean="0"/>
-              <a:t>10/15/2016</a:t>
+              <a:t>10/2/2017</a:t>
             </a:fld>
             <a:endParaRPr lang="en-US"/>
           </a:p>
@@ -3653,7 +3657,7 @@
           <a:p>
             <a:fld id="{2F7B77F5-1464-4F6B-92A8-64FC8A508293}" type="datetime1">
               <a:rPr lang="en-US" smtClean="0"/>
-              <a:t>10/15/2016</a:t>
+              <a:t>10/2/2017</a:t>
             </a:fld>
             <a:endParaRPr lang="en-US"/>
           </a:p>
@@ -3876,7 +3880,7 @@
           <a:p>
             <a:fld id="{02B3F677-983B-48DB-ADFD-63FE6CBC7FB2}" type="datetime1">
               <a:rPr lang="en-US" smtClean="0"/>
-              <a:t>10/15/2016</a:t>
+              <a:t>10/2/2017</a:t>
             </a:fld>
             <a:endParaRPr lang="en-US"/>
           </a:p>
@@ -9116,6 +9120,54 @@
           </a:p>
         </p:txBody>
       </p:sp>
+      <p:sp>
+        <p:nvSpPr>
+          <p:cNvPr id="5" name="TextBox 4">
+            <a:extLst>
+              <a:ext uri="{FF2B5EF4-FFF2-40B4-BE49-F238E27FC236}">
+                <a16:creationId xmlns:a16="http://schemas.microsoft.com/office/drawing/2014/main" id="{23D4980E-945C-4128-BB01-A782BCB0B52E}"/>
+              </a:ext>
+            </a:extLst>
+          </p:cNvPr>
+          <p:cNvSpPr txBox="1"/>
+          <p:nvPr/>
+        </p:nvSpPr>
+        <p:spPr>
+          <a:xfrm>
+            <a:off x="4572000" y="4376615"/>
+            <a:ext cx="3636992" cy="1200329"/>
+          </a:xfrm>
+          <a:prstGeom prst="rect">
+            <a:avLst/>
+          </a:prstGeom>
+          <a:solidFill>
+            <a:schemeClr val="accent1">
+              <a:lumMod val="20000"/>
+              <a:lumOff val="80000"/>
+            </a:schemeClr>
+          </a:solidFill>
+        </p:spPr>
+        <p:txBody>
+          <a:bodyPr wrap="square" rtlCol="0">
+            <a:spAutoFit/>
+          </a:bodyPr>
+          <a:lstStyle/>
+          <a:p>
+            <a:r>
+              <a:rPr lang="en-US" sz="2400" dirty="0"/>
+              <a:t>Note this is much like what we did with </a:t>
+            </a:r>
+            <a:r>
+              <a:rPr lang="en-US" sz="2400" dirty="0" err="1"/>
+              <a:t>sublist</a:t>
+            </a:r>
+            <a:r>
+              <a:rPr lang="en-US" sz="2400" dirty="0"/>
+              <a:t>-sum in Lesson 7.2</a:t>
+            </a:r>
+          </a:p>
+        </p:txBody>
+      </p:sp>
     </p:spTree>
     <p:extLst>
       <p:ext uri="{BB962C8B-B14F-4D97-AF65-F5344CB8AC3E}">
@@ -9590,7 +9642,19 @@
                   </a:schemeClr>
                 </a:solidFill>
               </a:rPr>
-              <a:t>     element a0 and the elements of lst0 that are above </a:t>
+              <a:t>     element a0 and the elements of lst0 that are to the left</a:t>
+            </a:r>
+          </a:p>
+          <a:p>
+            <a:r>
+              <a:rPr lang="en-US" sz="1800" dirty="0">
+                <a:solidFill>
+                  <a:schemeClr val="accent3">
+                    <a:lumMod val="75000"/>
+                  </a:schemeClr>
+                </a:solidFill>
+              </a:rPr>
+              <a:t>     of </a:t>
             </a:r>
             <a:r>
               <a:rPr lang="en-US" sz="1800" dirty="0" err="1">
@@ -9602,13 +9666,16 @@
               </a:rPr>
               <a:t>lst</a:t>
             </a:r>
-            <a:endParaRPr lang="en-US" sz="1800" dirty="0">
-              <a:solidFill>
-                <a:schemeClr val="accent3">
-                  <a:lumMod val="75000"/>
-                </a:schemeClr>
-              </a:solidFill>
-            </a:endParaRPr>
+            <a:r>
+              <a:rPr lang="en-US" sz="1800" dirty="0">
+                <a:solidFill>
+                  <a:schemeClr val="accent3">
+                    <a:lumMod val="75000"/>
+                  </a:schemeClr>
+                </a:solidFill>
+              </a:rPr>
+              <a:t> in lst0.</a:t>
+            </a:r>
           </a:p>
           <a:p>
             <a:r>
@@ -9794,7 +9861,7 @@
             </a:r>
             <a:r>
               <a:rPr lang="en-US" sz="2000" dirty="0" err="1"/>
-              <a:t>NonEmptyListOfNumber</a:t>
+              <a:t>NonEmptyNumberList</a:t>
             </a:r>
             <a:r>
               <a:rPr lang="en-US" sz="2000" dirty="0"/>
@@ -9847,7 +9914,7 @@
             </a:r>
             <a:r>
               <a:rPr lang="en-US" sz="2000" dirty="0" err="1"/>
-              <a:t>ListOfNumber</a:t>
+              <a:t>NumberList</a:t>
             </a:r>
             <a:r>
               <a:rPr lang="en-US" sz="2000" dirty="0"/>
@@ -10077,7 +10144,7 @@
             </a:r>
             <a:r>
               <a:rPr lang="en-US" sz="1700" dirty="0" err="1"/>
-              <a:t>ListOfNumber</a:t>
+              <a:t>NumberList</a:t>
             </a:r>
             <a:endParaRPr lang="en-US" sz="1700" dirty="0"/>
           </a:p>
@@ -10556,7 +10623,7 @@
             </a:r>
             <a:r>
               <a:rPr lang="en-US" sz="1800" dirty="0" err="1"/>
-              <a:t>ListOfNumber</a:t>
+              <a:t>NumberList</a:t>
             </a:r>
             <a:endParaRPr lang="en-US" sz="1800" dirty="0"/>
           </a:p>
@@ -11474,7 +11541,7 @@
                 <a:latin typeface="Consolas" pitchFamily="49" charset="0"/>
                 <a:cs typeface="Consolas" pitchFamily="49" charset="0"/>
               </a:rPr>
-              <a:t>ListOfMove</a:t>
+              <a:t>MoveList</a:t>
             </a:r>
             <a:r>
               <a:rPr lang="en-US" sz="2800" b="1" dirty="0">
